--- a/lecture-presentations/2019-02-07.pptx
+++ b/lecture-presentations/2019-02-07.pptx
@@ -209,7 +209,7 @@
           <a:p>
             <a:fld id="{A677DEB0-5AA4-49C7-B0AD-AD047A002C4C}" type="datetimeFigureOut">
               <a:rPr lang="en-US" smtClean="0"/>
-              <a:t>2/6/2019</a:t>
+              <a:t>2/7/2019</a:t>
             </a:fld>
             <a:endParaRPr lang="en-US"/>
           </a:p>
@@ -1385,7 +1385,7 @@
           <a:p>
             <a:fld id="{1B52E0E1-344B-4E26-B5AD-CE86AB802485}" type="datetimeFigureOut">
               <a:rPr lang="en-US" smtClean="0"/>
-              <a:t>2/6/2019</a:t>
+              <a:t>2/7/2019</a:t>
             </a:fld>
             <a:endParaRPr lang="en-US"/>
           </a:p>
@@ -1583,7 +1583,7 @@
           <a:p>
             <a:fld id="{1B52E0E1-344B-4E26-B5AD-CE86AB802485}" type="datetimeFigureOut">
               <a:rPr lang="en-US" smtClean="0"/>
-              <a:t>2/6/2019</a:t>
+              <a:t>2/7/2019</a:t>
             </a:fld>
             <a:endParaRPr lang="en-US"/>
           </a:p>
@@ -1791,7 +1791,7 @@
           <a:p>
             <a:fld id="{1B52E0E1-344B-4E26-B5AD-CE86AB802485}" type="datetimeFigureOut">
               <a:rPr lang="en-US" smtClean="0"/>
-              <a:t>2/6/2019</a:t>
+              <a:t>2/7/2019</a:t>
             </a:fld>
             <a:endParaRPr lang="en-US"/>
           </a:p>
@@ -1989,7 +1989,7 @@
           <a:p>
             <a:fld id="{1B52E0E1-344B-4E26-B5AD-CE86AB802485}" type="datetimeFigureOut">
               <a:rPr lang="en-US" smtClean="0"/>
-              <a:t>2/6/2019</a:t>
+              <a:t>2/7/2019</a:t>
             </a:fld>
             <a:endParaRPr lang="en-US"/>
           </a:p>
@@ -2264,7 +2264,7 @@
           <a:p>
             <a:fld id="{1B52E0E1-344B-4E26-B5AD-CE86AB802485}" type="datetimeFigureOut">
               <a:rPr lang="en-US" smtClean="0"/>
-              <a:t>2/6/2019</a:t>
+              <a:t>2/7/2019</a:t>
             </a:fld>
             <a:endParaRPr lang="en-US"/>
           </a:p>
@@ -2529,7 +2529,7 @@
           <a:p>
             <a:fld id="{1B52E0E1-344B-4E26-B5AD-CE86AB802485}" type="datetimeFigureOut">
               <a:rPr lang="en-US" smtClean="0"/>
-              <a:t>2/6/2019</a:t>
+              <a:t>2/7/2019</a:t>
             </a:fld>
             <a:endParaRPr lang="en-US"/>
           </a:p>
@@ -2941,7 +2941,7 @@
           <a:p>
             <a:fld id="{1B52E0E1-344B-4E26-B5AD-CE86AB802485}" type="datetimeFigureOut">
               <a:rPr lang="en-US" smtClean="0"/>
-              <a:t>2/6/2019</a:t>
+              <a:t>2/7/2019</a:t>
             </a:fld>
             <a:endParaRPr lang="en-US"/>
           </a:p>
@@ -3082,7 +3082,7 @@
           <a:p>
             <a:fld id="{1B52E0E1-344B-4E26-B5AD-CE86AB802485}" type="datetimeFigureOut">
               <a:rPr lang="en-US" smtClean="0"/>
-              <a:t>2/6/2019</a:t>
+              <a:t>2/7/2019</a:t>
             </a:fld>
             <a:endParaRPr lang="en-US"/>
           </a:p>
@@ -3195,7 +3195,7 @@
           <a:p>
             <a:fld id="{1B52E0E1-344B-4E26-B5AD-CE86AB802485}" type="datetimeFigureOut">
               <a:rPr lang="en-US" smtClean="0"/>
-              <a:t>2/6/2019</a:t>
+              <a:t>2/7/2019</a:t>
             </a:fld>
             <a:endParaRPr lang="en-US"/>
           </a:p>
@@ -3506,7 +3506,7 @@
           <a:p>
             <a:fld id="{1B52E0E1-344B-4E26-B5AD-CE86AB802485}" type="datetimeFigureOut">
               <a:rPr lang="en-US" smtClean="0"/>
-              <a:t>2/6/2019</a:t>
+              <a:t>2/7/2019</a:t>
             </a:fld>
             <a:endParaRPr lang="en-US"/>
           </a:p>
@@ -3794,7 +3794,7 @@
           <a:p>
             <a:fld id="{1B52E0E1-344B-4E26-B5AD-CE86AB802485}" type="datetimeFigureOut">
               <a:rPr lang="en-US" smtClean="0"/>
-              <a:t>2/6/2019</a:t>
+              <a:t>2/7/2019</a:t>
             </a:fld>
             <a:endParaRPr lang="en-US"/>
           </a:p>
@@ -4035,7 +4035,7 @@
           <a:p>
             <a:fld id="{1B52E0E1-344B-4E26-B5AD-CE86AB802485}" type="datetimeFigureOut">
               <a:rPr lang="en-US" smtClean="0"/>
-              <a:t>2/6/2019</a:t>
+              <a:t>2/7/2019</a:t>
             </a:fld>
             <a:endParaRPr lang="en-US"/>
           </a:p>
@@ -4801,23 +4801,53 @@
               <a:buAutoNum type="arabicPeriod"/>
             </a:pPr>
             <a:r>
-              <a:rPr lang="en-US" sz="2400" dirty="0"/>
+              <a:rPr lang="en-US" sz="2400" dirty="0">
+                <a:solidFill>
+                  <a:schemeClr val="bg1">
+                    <a:lumMod val="65000"/>
+                  </a:schemeClr>
+                </a:solidFill>
+              </a:rPr>
               <a:t>Compile, run, and review the </a:t>
             </a:r>
             <a:r>
-              <a:rPr lang="en-US" sz="2400" dirty="0" err="1"/>
+              <a:rPr lang="en-US" sz="2400" dirty="0" err="1">
+                <a:solidFill>
+                  <a:schemeClr val="bg1">
+                    <a:lumMod val="65000"/>
+                  </a:schemeClr>
+                </a:solidFill>
+              </a:rPr>
               <a:t>ShapeDraw</a:t>
             </a:r>
             <a:r>
-              <a:rPr lang="en-US" sz="2400" dirty="0"/>
+              <a:rPr lang="en-US" sz="2400" dirty="0">
+                <a:solidFill>
+                  <a:schemeClr val="bg1">
+                    <a:lumMod val="65000"/>
+                  </a:schemeClr>
+                </a:solidFill>
+              </a:rPr>
               <a:t> and </a:t>
             </a:r>
             <a:r>
-              <a:rPr lang="en-US" sz="2400" dirty="0" err="1"/>
+              <a:rPr lang="en-US" sz="2400" dirty="0" err="1">
+                <a:solidFill>
+                  <a:schemeClr val="bg1">
+                    <a:lumMod val="65000"/>
+                  </a:schemeClr>
+                </a:solidFill>
+              </a:rPr>
               <a:t>Ovaldraw</a:t>
             </a:r>
             <a:r>
-              <a:rPr lang="en-US" sz="2400" dirty="0"/>
+              <a:rPr lang="en-US" sz="2400" dirty="0">
+                <a:solidFill>
+                  <a:schemeClr val="bg1">
+                    <a:lumMod val="65000"/>
+                  </a:schemeClr>
+                </a:solidFill>
+              </a:rPr>
               <a:t> applications in the source-lite folder</a:t>
             </a:r>
           </a:p>
@@ -4827,7 +4857,13 @@
               <a:buAutoNum type="arabicPeriod"/>
             </a:pPr>
             <a:r>
-              <a:rPr lang="en-US" sz="2400" dirty="0"/>
+              <a:rPr lang="en-US" sz="2400" dirty="0">
+                <a:solidFill>
+                  <a:schemeClr val="bg1">
+                    <a:lumMod val="65000"/>
+                  </a:schemeClr>
+                </a:solidFill>
+              </a:rPr>
               <a:t>Note: You still need to complete the “Shapes Step 1” and “Shapes Step 2” tutorials!</a:t>
             </a:r>
           </a:p>
